--- a/document/20190525_GenerateDoc.pptx
+++ b/document/20190525_GenerateDoc.pptx
@@ -5,7 +5,7 @@
     <p:sldMasterId id="2147483648" r:id="rId1"/>
   </p:sldMasterIdLst>
   <p:notesMasterIdLst>
-    <p:notesMasterId r:id="rId19"/>
+    <p:notesMasterId r:id="rId20"/>
   </p:notesMasterIdLst>
   <p:sldIdLst>
     <p:sldId id="256" r:id="rId2"/>
@@ -25,6 +25,7 @@
     <p:sldId id="313" r:id="rId16"/>
     <p:sldId id="314" r:id="rId17"/>
     <p:sldId id="315" r:id="rId18"/>
+    <p:sldId id="316" r:id="rId19"/>
   </p:sldIdLst>
   <p:sldSz cx="12192000" cy="6858000"/>
   <p:notesSz cx="6858000" cy="9144000"/>
@@ -11068,6 +11069,737 @@
 </p:sld>
 </file>
 
+<file path=ppt/slides/slide18.xml><?xml version="1.0" encoding="utf-8"?>
+<p:sld xmlns:a="http://schemas.openxmlformats.org/drawingml/2006/main" xmlns:r="http://schemas.openxmlformats.org/officeDocument/2006/relationships" xmlns:p="http://schemas.openxmlformats.org/presentationml/2006/main">
+  <p:cSld>
+    <p:spTree>
+      <p:nvGrpSpPr>
+        <p:cNvPr id="1" name=""/>
+        <p:cNvGrpSpPr/>
+        <p:nvPr/>
+      </p:nvGrpSpPr>
+      <p:grpSpPr>
+        <a:xfrm>
+          <a:off x="0" y="0"/>
+          <a:ext cx="0" cy="0"/>
+          <a:chOff x="0" y="0"/>
+          <a:chExt cx="0" cy="0"/>
+        </a:xfrm>
+      </p:grpSpPr>
+      <p:sp>
+        <p:nvSpPr>
+          <p:cNvPr id="2" name="スライド番号プレースホルダー 1">
+            <a:extLst>
+              <a:ext uri="{FF2B5EF4-FFF2-40B4-BE49-F238E27FC236}">
+                <a16:creationId xmlns:a16="http://schemas.microsoft.com/office/drawing/2014/main" id="{5E195CCC-D40E-4CDF-80E6-07BA906DBD90}"/>
+              </a:ext>
+            </a:extLst>
+          </p:cNvPr>
+          <p:cNvSpPr>
+            <a:spLocks noGrp="1"/>
+          </p:cNvSpPr>
+          <p:nvPr>
+            <p:ph type="sldNum" sz="quarter" idx="12"/>
+          </p:nvPr>
+        </p:nvSpPr>
+        <p:spPr/>
+        <p:txBody>
+          <a:bodyPr/>
+          <a:lstStyle/>
+          <a:p>
+            <a:fld id="{137EF923-415A-40D3-869E-BF2274ACA652}" type="slidenum">
+              <a:rPr kumimoji="1" lang="ja-JP" altLang="en-US" smtClean="0"/>
+              <a:t>18</a:t>
+            </a:fld>
+            <a:endParaRPr kumimoji="1" lang="ja-JP" altLang="en-US"/>
+          </a:p>
+        </p:txBody>
+      </p:sp>
+      <p:sp>
+        <p:nvSpPr>
+          <p:cNvPr id="3" name="テキスト ボックス 2">
+            <a:extLst>
+              <a:ext uri="{FF2B5EF4-FFF2-40B4-BE49-F238E27FC236}">
+                <a16:creationId xmlns:a16="http://schemas.microsoft.com/office/drawing/2014/main" id="{423E24AC-1F67-4051-9C8C-F9CB25A93521}"/>
+              </a:ext>
+            </a:extLst>
+          </p:cNvPr>
+          <p:cNvSpPr txBox="1"/>
+          <p:nvPr/>
+        </p:nvSpPr>
+        <p:spPr>
+          <a:xfrm>
+            <a:off x="347729" y="311596"/>
+            <a:ext cx="6478074" cy="559769"/>
+          </a:xfrm>
+          <a:prstGeom prst="rect">
+            <a:avLst/>
+          </a:prstGeom>
+          <a:noFill/>
+        </p:spPr>
+        <p:txBody>
+          <a:bodyPr wrap="square" rtlCol="0">
+            <a:spAutoFit/>
+          </a:bodyPr>
+          <a:lstStyle/>
+          <a:p>
+            <a:pPr>
+              <a:lnSpc>
+                <a:spcPct val="150000"/>
+              </a:lnSpc>
+            </a:pPr>
+            <a:r>
+              <a:rPr lang="ja-JP" altLang="en-US" sz="2400" dirty="0">
+                <a:latin typeface="HG丸ｺﾞｼｯｸM-PRO" panose="020F0600000000000000" pitchFamily="50" charset="-128"/>
+                <a:ea typeface="HG丸ｺﾞｼｯｸM-PRO" panose="020F0600000000000000" pitchFamily="50" charset="-128"/>
+              </a:rPr>
+              <a:t>その後</a:t>
+            </a:r>
+          </a:p>
+        </p:txBody>
+      </p:sp>
+      <p:sp>
+        <p:nvSpPr>
+          <p:cNvPr id="4" name="テキスト ボックス 3">
+            <a:extLst>
+              <a:ext uri="{FF2B5EF4-FFF2-40B4-BE49-F238E27FC236}">
+                <a16:creationId xmlns:a16="http://schemas.microsoft.com/office/drawing/2014/main" id="{F550CFF1-356D-4A64-9FBC-71E2D4A76947}"/>
+              </a:ext>
+            </a:extLst>
+          </p:cNvPr>
+          <p:cNvSpPr txBox="1"/>
+          <p:nvPr/>
+        </p:nvSpPr>
+        <p:spPr>
+          <a:xfrm>
+            <a:off x="558071" y="1096338"/>
+            <a:ext cx="10771058" cy="481863"/>
+          </a:xfrm>
+          <a:prstGeom prst="rect">
+            <a:avLst/>
+          </a:prstGeom>
+          <a:noFill/>
+        </p:spPr>
+        <p:txBody>
+          <a:bodyPr wrap="square" rtlCol="0">
+            <a:spAutoFit/>
+          </a:bodyPr>
+          <a:lstStyle/>
+          <a:p>
+            <a:pPr>
+              <a:lnSpc>
+                <a:spcPct val="150000"/>
+              </a:lnSpc>
+            </a:pPr>
+            <a:r>
+              <a:rPr lang="en-US" altLang="ja-JP" sz="2000" dirty="0" err="1">
+                <a:latin typeface="HG丸ｺﾞｼｯｸM-PRO" panose="020F0600000000000000" pitchFamily="50" charset="-128"/>
+                <a:ea typeface="HG丸ｺﾞｼｯｸM-PRO" panose="020F0600000000000000" pitchFamily="50" charset="-128"/>
+              </a:rPr>
+              <a:t>Dymola</a:t>
+            </a:r>
+            <a:r>
+              <a:rPr lang="ja-JP" altLang="en-US" sz="2000" dirty="0">
+                <a:latin typeface="HG丸ｺﾞｼｯｸM-PRO" panose="020F0600000000000000" pitchFamily="50" charset="-128"/>
+                <a:ea typeface="HG丸ｺﾞｼｯｸM-PRO" panose="020F0600000000000000" pitchFamily="50" charset="-128"/>
+              </a:rPr>
+              <a:t>には体験版がある。</a:t>
+            </a:r>
+            <a:endParaRPr lang="en-US" altLang="ja-JP" sz="2000" dirty="0">
+              <a:latin typeface="HG丸ｺﾞｼｯｸM-PRO" panose="020F0600000000000000" pitchFamily="50" charset="-128"/>
+              <a:ea typeface="HG丸ｺﾞｼｯｸM-PRO" panose="020F0600000000000000" pitchFamily="50" charset="-128"/>
+            </a:endParaRPr>
+          </a:p>
+        </p:txBody>
+      </p:sp>
+      <p:sp>
+        <p:nvSpPr>
+          <p:cNvPr id="5" name="テキスト ボックス 4">
+            <a:extLst>
+              <a:ext uri="{FF2B5EF4-FFF2-40B4-BE49-F238E27FC236}">
+                <a16:creationId xmlns:a16="http://schemas.microsoft.com/office/drawing/2014/main" id="{AE2001AF-C658-4758-B245-D1E3BCB99AEF}"/>
+              </a:ext>
+            </a:extLst>
+          </p:cNvPr>
+          <p:cNvSpPr txBox="1"/>
+          <p:nvPr/>
+        </p:nvSpPr>
+        <p:spPr>
+          <a:xfrm>
+            <a:off x="558071" y="4519233"/>
+            <a:ext cx="3776862" cy="1405193"/>
+          </a:xfrm>
+          <a:prstGeom prst="rect">
+            <a:avLst/>
+          </a:prstGeom>
+          <a:solidFill>
+            <a:schemeClr val="accent4">
+              <a:lumMod val="20000"/>
+              <a:lumOff val="80000"/>
+            </a:schemeClr>
+          </a:solidFill>
+        </p:spPr>
+        <p:txBody>
+          <a:bodyPr wrap="square" rtlCol="0">
+            <a:spAutoFit/>
+          </a:bodyPr>
+          <a:lstStyle/>
+          <a:p>
+            <a:pPr>
+              <a:lnSpc>
+                <a:spcPct val="150000"/>
+              </a:lnSpc>
+            </a:pPr>
+            <a:r>
+              <a:rPr lang="ja-JP" altLang="en-US" sz="2000" dirty="0">
+                <a:latin typeface="HG丸ｺﾞｼｯｸM-PRO" panose="020F0600000000000000" pitchFamily="50" charset="-128"/>
+                <a:ea typeface="HG丸ｺﾞｼｯｸM-PRO" panose="020F0600000000000000" pitchFamily="50" charset="-128"/>
+              </a:rPr>
+              <a:t>読み込んだライブラリの直下の</a:t>
+            </a:r>
+            <a:endParaRPr lang="en-US" altLang="ja-JP" sz="2000" dirty="0">
+              <a:latin typeface="HG丸ｺﾞｼｯｸM-PRO" panose="020F0600000000000000" pitchFamily="50" charset="-128"/>
+              <a:ea typeface="HG丸ｺﾞｼｯｸM-PRO" panose="020F0600000000000000" pitchFamily="50" charset="-128"/>
+            </a:endParaRPr>
+          </a:p>
+          <a:p>
+            <a:pPr>
+              <a:lnSpc>
+                <a:spcPct val="150000"/>
+              </a:lnSpc>
+            </a:pPr>
+            <a:r>
+              <a:rPr lang="en-US" altLang="ja-JP" sz="2000" dirty="0">
+                <a:latin typeface="HG丸ｺﾞｼｯｸM-PRO" panose="020F0600000000000000" pitchFamily="50" charset="-128"/>
+                <a:ea typeface="HG丸ｺﾞｼｯｸM-PRO" panose="020F0600000000000000" pitchFamily="50" charset="-128"/>
+              </a:rPr>
+              <a:t>help</a:t>
+            </a:r>
+            <a:r>
+              <a:rPr lang="ja-JP" altLang="en-US" sz="2000" dirty="0">
+                <a:latin typeface="HG丸ｺﾞｼｯｸM-PRO" panose="020F0600000000000000" pitchFamily="50" charset="-128"/>
+                <a:ea typeface="HG丸ｺﾞｼｯｸM-PRO" panose="020F0600000000000000" pitchFamily="50" charset="-128"/>
+              </a:rPr>
+              <a:t>フォルダにすべて出力される。</a:t>
+            </a:r>
+            <a:endParaRPr lang="en-US" altLang="ja-JP" sz="2000" dirty="0">
+              <a:latin typeface="HG丸ｺﾞｼｯｸM-PRO" panose="020F0600000000000000" pitchFamily="50" charset="-128"/>
+              <a:ea typeface="HG丸ｺﾞｼｯｸM-PRO" panose="020F0600000000000000" pitchFamily="50" charset="-128"/>
+            </a:endParaRPr>
+          </a:p>
+        </p:txBody>
+      </p:sp>
+      <p:pic>
+        <p:nvPicPr>
+          <p:cNvPr id="6" name="図 5">
+            <a:extLst>
+              <a:ext uri="{FF2B5EF4-FFF2-40B4-BE49-F238E27FC236}">
+                <a16:creationId xmlns:a16="http://schemas.microsoft.com/office/drawing/2014/main" id="{0D06B134-A494-4D7F-B8DB-A335CE162368}"/>
+              </a:ext>
+            </a:extLst>
+          </p:cNvPr>
+          <p:cNvPicPr>
+            <a:picLocks noChangeAspect="1"/>
+          </p:cNvPicPr>
+          <p:nvPr/>
+        </p:nvPicPr>
+        <p:blipFill rotWithShape="1">
+          <a:blip r:embed="rId2" cstate="email">
+            <a:extLst>
+              <a:ext uri="{28A0092B-C50C-407E-A947-70E740481C1C}">
+                <a14:useLocalDpi xmlns:a14="http://schemas.microsoft.com/office/drawing/2010/main"/>
+              </a:ext>
+            </a:extLst>
+          </a:blip>
+          <a:srcRect r="71333" b="23210"/>
+          <a:stretch/>
+        </p:blipFill>
+        <p:spPr>
+          <a:xfrm>
+            <a:off x="5371306" y="986271"/>
+            <a:ext cx="3481388" cy="5266267"/>
+          </a:xfrm>
+          <a:prstGeom prst="rect">
+            <a:avLst/>
+          </a:prstGeom>
+        </p:spPr>
+      </p:pic>
+      <p:sp>
+        <p:nvSpPr>
+          <p:cNvPr id="7" name="テキスト ボックス 6">
+            <a:extLst>
+              <a:ext uri="{FF2B5EF4-FFF2-40B4-BE49-F238E27FC236}">
+                <a16:creationId xmlns:a16="http://schemas.microsoft.com/office/drawing/2014/main" id="{34EECE07-B68E-48E3-B336-EFA8448B250D}"/>
+              </a:ext>
+            </a:extLst>
+          </p:cNvPr>
+          <p:cNvSpPr txBox="1"/>
+          <p:nvPr/>
+        </p:nvSpPr>
+        <p:spPr>
+          <a:xfrm>
+            <a:off x="558071" y="1798207"/>
+            <a:ext cx="3776862" cy="943528"/>
+          </a:xfrm>
+          <a:prstGeom prst="rect">
+            <a:avLst/>
+          </a:prstGeom>
+          <a:solidFill>
+            <a:schemeClr val="accent4">
+              <a:lumMod val="20000"/>
+              <a:lumOff val="80000"/>
+            </a:schemeClr>
+          </a:solidFill>
+        </p:spPr>
+        <p:txBody>
+          <a:bodyPr wrap="square" rtlCol="0">
+            <a:spAutoFit/>
+          </a:bodyPr>
+          <a:lstStyle/>
+          <a:p>
+            <a:pPr>
+              <a:lnSpc>
+                <a:spcPct val="150000"/>
+              </a:lnSpc>
+            </a:pPr>
+            <a:r>
+              <a:rPr lang="en-US" altLang="ja-JP" sz="2000" dirty="0">
+                <a:latin typeface="HG丸ｺﾞｼｯｸM-PRO" panose="020F0600000000000000" pitchFamily="50" charset="-128"/>
+                <a:ea typeface="HG丸ｺﾞｼｯｸM-PRO" panose="020F0600000000000000" pitchFamily="50" charset="-128"/>
+              </a:rPr>
+              <a:t>Buildings</a:t>
+            </a:r>
+            <a:r>
+              <a:rPr lang="ja-JP" altLang="en-US" sz="2000" dirty="0">
+                <a:latin typeface="HG丸ｺﾞｼｯｸM-PRO" panose="020F0600000000000000" pitchFamily="50" charset="-128"/>
+                <a:ea typeface="HG丸ｺﾞｼｯｸM-PRO" panose="020F0600000000000000" pitchFamily="50" charset="-128"/>
+              </a:rPr>
+              <a:t>ライブラリの最上部の</a:t>
+            </a:r>
+            <a:r>
+              <a:rPr lang="en-US" altLang="ja-JP" sz="2000" dirty="0">
+                <a:latin typeface="HG丸ｺﾞｼｯｸM-PRO" panose="020F0600000000000000" pitchFamily="50" charset="-128"/>
+                <a:ea typeface="HG丸ｺﾞｼｯｸM-PRO" panose="020F0600000000000000" pitchFamily="50" charset="-128"/>
+              </a:rPr>
+              <a:t>package.mo</a:t>
+            </a:r>
+            <a:r>
+              <a:rPr lang="ja-JP" altLang="en-US" sz="2000" dirty="0">
+                <a:latin typeface="HG丸ｺﾞｼｯｸM-PRO" panose="020F0600000000000000" pitchFamily="50" charset="-128"/>
+                <a:ea typeface="HG丸ｺﾞｼｯｸM-PRO" panose="020F0600000000000000" pitchFamily="50" charset="-128"/>
+              </a:rPr>
+              <a:t>を選択</a:t>
+            </a:r>
+            <a:endParaRPr lang="en-US" altLang="ja-JP" sz="2000" dirty="0">
+              <a:latin typeface="HG丸ｺﾞｼｯｸM-PRO" panose="020F0600000000000000" pitchFamily="50" charset="-128"/>
+              <a:ea typeface="HG丸ｺﾞｼｯｸM-PRO" panose="020F0600000000000000" pitchFamily="50" charset="-128"/>
+            </a:endParaRPr>
+          </a:p>
+        </p:txBody>
+      </p:sp>
+      <p:sp>
+        <p:nvSpPr>
+          <p:cNvPr id="8" name="テキスト ボックス 7">
+            <a:extLst>
+              <a:ext uri="{FF2B5EF4-FFF2-40B4-BE49-F238E27FC236}">
+                <a16:creationId xmlns:a16="http://schemas.microsoft.com/office/drawing/2014/main" id="{38CABE8E-6DE4-49FE-BC60-5569A3E6591C}"/>
+              </a:ext>
+            </a:extLst>
+          </p:cNvPr>
+          <p:cNvSpPr txBox="1"/>
+          <p:nvPr/>
+        </p:nvSpPr>
+        <p:spPr>
+          <a:xfrm>
+            <a:off x="569117" y="3905270"/>
+            <a:ext cx="3776861" cy="481863"/>
+          </a:xfrm>
+          <a:prstGeom prst="rect">
+            <a:avLst/>
+          </a:prstGeom>
+          <a:solidFill>
+            <a:schemeClr val="accent4">
+              <a:lumMod val="20000"/>
+              <a:lumOff val="80000"/>
+            </a:schemeClr>
+          </a:solidFill>
+        </p:spPr>
+        <p:txBody>
+          <a:bodyPr wrap="square" rtlCol="0">
+            <a:spAutoFit/>
+          </a:bodyPr>
+          <a:lstStyle/>
+          <a:p>
+            <a:pPr>
+              <a:lnSpc>
+                <a:spcPct val="150000"/>
+              </a:lnSpc>
+            </a:pPr>
+            <a:r>
+              <a:rPr lang="en-US" altLang="ja-JP" sz="2000" dirty="0">
+                <a:latin typeface="HG丸ｺﾞｼｯｸM-PRO" panose="020F0600000000000000" pitchFamily="50" charset="-128"/>
+                <a:ea typeface="HG丸ｺﾞｼｯｸM-PRO" panose="020F0600000000000000" pitchFamily="50" charset="-128"/>
+              </a:rPr>
+              <a:t>html</a:t>
+            </a:r>
+            <a:r>
+              <a:rPr lang="ja-JP" altLang="en-US" sz="2000" dirty="0">
+                <a:latin typeface="HG丸ｺﾞｼｯｸM-PRO" panose="020F0600000000000000" pitchFamily="50" charset="-128"/>
+                <a:ea typeface="HG丸ｺﾞｼｯｸM-PRO" panose="020F0600000000000000" pitchFamily="50" charset="-128"/>
+              </a:rPr>
+              <a:t>を選択し、</a:t>
+            </a:r>
+            <a:r>
+              <a:rPr lang="en-US" altLang="ja-JP" sz="2000" dirty="0">
+                <a:latin typeface="HG丸ｺﾞｼｯｸM-PRO" panose="020F0600000000000000" pitchFamily="50" charset="-128"/>
+                <a:ea typeface="HG丸ｺﾞｼｯｸM-PRO" panose="020F0600000000000000" pitchFamily="50" charset="-128"/>
+              </a:rPr>
+              <a:t>OK</a:t>
+            </a:r>
+            <a:r>
+              <a:rPr lang="ja-JP" altLang="en-US" sz="2000" dirty="0">
+                <a:latin typeface="HG丸ｺﾞｼｯｸM-PRO" panose="020F0600000000000000" pitchFamily="50" charset="-128"/>
+                <a:ea typeface="HG丸ｺﾞｼｯｸM-PRO" panose="020F0600000000000000" pitchFamily="50" charset="-128"/>
+              </a:rPr>
+              <a:t>を押す</a:t>
+            </a:r>
+            <a:endParaRPr lang="en-US" altLang="ja-JP" sz="2000" dirty="0">
+              <a:latin typeface="HG丸ｺﾞｼｯｸM-PRO" panose="020F0600000000000000" pitchFamily="50" charset="-128"/>
+              <a:ea typeface="HG丸ｺﾞｼｯｸM-PRO" panose="020F0600000000000000" pitchFamily="50" charset="-128"/>
+            </a:endParaRPr>
+          </a:p>
+        </p:txBody>
+      </p:sp>
+      <p:sp>
+        <p:nvSpPr>
+          <p:cNvPr id="9" name="正方形/長方形 8">
+            <a:extLst>
+              <a:ext uri="{FF2B5EF4-FFF2-40B4-BE49-F238E27FC236}">
+                <a16:creationId xmlns:a16="http://schemas.microsoft.com/office/drawing/2014/main" id="{0CCDBA96-A0DE-496F-AB17-B1939C009A7D}"/>
+              </a:ext>
+            </a:extLst>
+          </p:cNvPr>
+          <p:cNvSpPr/>
+          <p:nvPr/>
+        </p:nvSpPr>
+        <p:spPr>
+          <a:xfrm>
+            <a:off x="569118" y="6158160"/>
+            <a:ext cx="2492990" cy="442878"/>
+          </a:xfrm>
+          <a:prstGeom prst="rect">
+            <a:avLst/>
+          </a:prstGeom>
+        </p:spPr>
+        <p:txBody>
+          <a:bodyPr wrap="none">
+            <a:spAutoFit/>
+          </a:bodyPr>
+          <a:lstStyle/>
+          <a:p>
+            <a:pPr>
+              <a:lnSpc>
+                <a:spcPct val="150000"/>
+              </a:lnSpc>
+            </a:pPr>
+            <a:r>
+              <a:rPr lang="ja-JP" altLang="en-US" dirty="0">
+                <a:latin typeface="HG丸ｺﾞｼｯｸM-PRO" panose="020F0600000000000000" pitchFamily="50" charset="-128"/>
+                <a:ea typeface="HG丸ｺﾞｼｯｸM-PRO" panose="020F0600000000000000" pitchFamily="50" charset="-128"/>
+              </a:rPr>
+              <a:t>商用ソフト最高・・・</a:t>
+            </a:r>
+            <a:endParaRPr lang="en-US" altLang="ja-JP" dirty="0">
+              <a:latin typeface="HG丸ｺﾞｼｯｸM-PRO" panose="020F0600000000000000" pitchFamily="50" charset="-128"/>
+              <a:ea typeface="HG丸ｺﾞｼｯｸM-PRO" panose="020F0600000000000000" pitchFamily="50" charset="-128"/>
+            </a:endParaRPr>
+          </a:p>
+        </p:txBody>
+      </p:sp>
+      <p:sp>
+        <p:nvSpPr>
+          <p:cNvPr id="10" name="正方形/長方形 9">
+            <a:extLst>
+              <a:ext uri="{FF2B5EF4-FFF2-40B4-BE49-F238E27FC236}">
+                <a16:creationId xmlns:a16="http://schemas.microsoft.com/office/drawing/2014/main" id="{A45ECABD-A2F6-4A54-8862-B5E4A16490CA}"/>
+              </a:ext>
+            </a:extLst>
+          </p:cNvPr>
+          <p:cNvSpPr/>
+          <p:nvPr/>
+        </p:nvSpPr>
+        <p:spPr>
+          <a:xfrm>
+            <a:off x="5371306" y="1763937"/>
+            <a:ext cx="2316427" cy="275930"/>
+          </a:xfrm>
+          <a:prstGeom prst="rect">
+            <a:avLst/>
+          </a:prstGeom>
+          <a:noFill/>
+          <a:ln w="57150">
+            <a:solidFill>
+              <a:srgbClr val="FF0000"/>
+            </a:solidFill>
+          </a:ln>
+        </p:spPr>
+        <p:style>
+          <a:lnRef idx="2">
+            <a:schemeClr val="accent1">
+              <a:shade val="50000"/>
+            </a:schemeClr>
+          </a:lnRef>
+          <a:fillRef idx="1">
+            <a:schemeClr val="accent1"/>
+          </a:fillRef>
+          <a:effectRef idx="0">
+            <a:schemeClr val="accent1"/>
+          </a:effectRef>
+          <a:fontRef idx="minor">
+            <a:schemeClr val="lt1"/>
+          </a:fontRef>
+        </p:style>
+        <p:txBody>
+          <a:bodyPr rtlCol="0" anchor="ctr"/>
+          <a:lstStyle/>
+          <a:p>
+            <a:pPr algn="ctr"/>
+            <a:endParaRPr kumimoji="1" lang="ja-JP" altLang="en-US"/>
+          </a:p>
+        </p:txBody>
+      </p:sp>
+      <p:sp>
+        <p:nvSpPr>
+          <p:cNvPr id="11" name="正方形/長方形 10">
+            <a:extLst>
+              <a:ext uri="{FF2B5EF4-FFF2-40B4-BE49-F238E27FC236}">
+                <a16:creationId xmlns:a16="http://schemas.microsoft.com/office/drawing/2014/main" id="{F99FA75B-A9E1-4325-91C5-39B660296236}"/>
+              </a:ext>
+            </a:extLst>
+          </p:cNvPr>
+          <p:cNvSpPr/>
+          <p:nvPr/>
+        </p:nvSpPr>
+        <p:spPr>
+          <a:xfrm>
+            <a:off x="5371306" y="4842933"/>
+            <a:ext cx="2316427" cy="275930"/>
+          </a:xfrm>
+          <a:prstGeom prst="rect">
+            <a:avLst/>
+          </a:prstGeom>
+          <a:noFill/>
+          <a:ln w="57150">
+            <a:solidFill>
+              <a:srgbClr val="FF0000"/>
+            </a:solidFill>
+          </a:ln>
+        </p:spPr>
+        <p:style>
+          <a:lnRef idx="2">
+            <a:schemeClr val="accent1">
+              <a:shade val="50000"/>
+            </a:schemeClr>
+          </a:lnRef>
+          <a:fillRef idx="1">
+            <a:schemeClr val="accent1"/>
+          </a:fillRef>
+          <a:effectRef idx="0">
+            <a:schemeClr val="accent1"/>
+          </a:effectRef>
+          <a:fontRef idx="minor">
+            <a:schemeClr val="lt1"/>
+          </a:fontRef>
+        </p:style>
+        <p:txBody>
+          <a:bodyPr rtlCol="0" anchor="ctr"/>
+          <a:lstStyle/>
+          <a:p>
+            <a:pPr algn="ctr"/>
+            <a:endParaRPr kumimoji="1" lang="ja-JP" altLang="en-US"/>
+          </a:p>
+        </p:txBody>
+      </p:sp>
+      <p:cxnSp>
+        <p:nvCxnSpPr>
+          <p:cNvPr id="13" name="直線コネクタ 12">
+            <a:extLst>
+              <a:ext uri="{FF2B5EF4-FFF2-40B4-BE49-F238E27FC236}">
+                <a16:creationId xmlns:a16="http://schemas.microsoft.com/office/drawing/2014/main" id="{48B14825-E71B-4F47-A14B-0C0C86DA6C7A}"/>
+              </a:ext>
+            </a:extLst>
+          </p:cNvPr>
+          <p:cNvCxnSpPr>
+            <a:cxnSpLocks/>
+            <a:stCxn id="7" idx="3"/>
+            <a:endCxn id="10" idx="1"/>
+          </p:cNvCxnSpPr>
+          <p:nvPr/>
+        </p:nvCxnSpPr>
+        <p:spPr>
+          <a:xfrm flipV="1">
+            <a:off x="4334933" y="1901902"/>
+            <a:ext cx="1036373" cy="368069"/>
+          </a:xfrm>
+          <a:prstGeom prst="line">
+            <a:avLst/>
+          </a:prstGeom>
+          <a:ln>
+            <a:solidFill>
+              <a:srgbClr val="FF0000"/>
+            </a:solidFill>
+          </a:ln>
+        </p:spPr>
+        <p:style>
+          <a:lnRef idx="1">
+            <a:schemeClr val="accent1"/>
+          </a:lnRef>
+          <a:fillRef idx="0">
+            <a:schemeClr val="accent1"/>
+          </a:fillRef>
+          <a:effectRef idx="0">
+            <a:schemeClr val="accent1"/>
+          </a:effectRef>
+          <a:fontRef idx="minor">
+            <a:schemeClr val="tx1"/>
+          </a:fontRef>
+        </p:style>
+      </p:cxnSp>
+      <p:cxnSp>
+        <p:nvCxnSpPr>
+          <p:cNvPr id="15" name="直線コネクタ 14">
+            <a:extLst>
+              <a:ext uri="{FF2B5EF4-FFF2-40B4-BE49-F238E27FC236}">
+                <a16:creationId xmlns:a16="http://schemas.microsoft.com/office/drawing/2014/main" id="{638319A0-C684-4CCE-A287-E0325591AA5C}"/>
+              </a:ext>
+            </a:extLst>
+          </p:cNvPr>
+          <p:cNvCxnSpPr>
+            <a:cxnSpLocks/>
+            <a:stCxn id="8" idx="3"/>
+            <a:endCxn id="11" idx="1"/>
+          </p:cNvCxnSpPr>
+          <p:nvPr/>
+        </p:nvCxnSpPr>
+        <p:spPr>
+          <a:xfrm>
+            <a:off x="4345978" y="4146202"/>
+            <a:ext cx="1025328" cy="834696"/>
+          </a:xfrm>
+          <a:prstGeom prst="line">
+            <a:avLst/>
+          </a:prstGeom>
+          <a:ln>
+            <a:solidFill>
+              <a:srgbClr val="FF0000"/>
+            </a:solidFill>
+          </a:ln>
+        </p:spPr>
+        <p:style>
+          <a:lnRef idx="1">
+            <a:schemeClr val="accent1"/>
+          </a:lnRef>
+          <a:fillRef idx="0">
+            <a:schemeClr val="accent1"/>
+          </a:fillRef>
+          <a:effectRef idx="0">
+            <a:schemeClr val="accent1"/>
+          </a:effectRef>
+          <a:fontRef idx="minor">
+            <a:schemeClr val="tx1"/>
+          </a:fontRef>
+        </p:style>
+      </p:cxnSp>
+      <p:sp>
+        <p:nvSpPr>
+          <p:cNvPr id="19" name="テキスト ボックス 18">
+            <a:extLst>
+              <a:ext uri="{FF2B5EF4-FFF2-40B4-BE49-F238E27FC236}">
+                <a16:creationId xmlns:a16="http://schemas.microsoft.com/office/drawing/2014/main" id="{06F217CA-BAD8-4D23-9B2E-DBD47C6EC9D4}"/>
+              </a:ext>
+            </a:extLst>
+          </p:cNvPr>
+          <p:cNvSpPr txBox="1"/>
+          <p:nvPr/>
+        </p:nvSpPr>
+        <p:spPr>
+          <a:xfrm>
+            <a:off x="558071" y="2845430"/>
+            <a:ext cx="3776862" cy="943528"/>
+          </a:xfrm>
+          <a:prstGeom prst="rect">
+            <a:avLst/>
+          </a:prstGeom>
+          <a:solidFill>
+            <a:schemeClr val="accent4">
+              <a:lumMod val="20000"/>
+              <a:lumOff val="80000"/>
+            </a:schemeClr>
+          </a:solidFill>
+        </p:spPr>
+        <p:txBody>
+          <a:bodyPr wrap="square" rtlCol="0">
+            <a:spAutoFit/>
+          </a:bodyPr>
+          <a:lstStyle/>
+          <a:p>
+            <a:pPr>
+              <a:lnSpc>
+                <a:spcPct val="150000"/>
+              </a:lnSpc>
+            </a:pPr>
+            <a:r>
+              <a:rPr lang="ja-JP" altLang="en-US" sz="2000" dirty="0">
+                <a:latin typeface="HG丸ｺﾞｼｯｸM-PRO" panose="020F0600000000000000" pitchFamily="50" charset="-128"/>
+                <a:ea typeface="HG丸ｺﾞｼｯｸM-PRO" panose="020F0600000000000000" pitchFamily="50" charset="-128"/>
+              </a:rPr>
+              <a:t>パッケージブラウザで</a:t>
+            </a:r>
+            <a:endParaRPr lang="en-US" altLang="ja-JP" sz="2000" dirty="0">
+              <a:latin typeface="HG丸ｺﾞｼｯｸM-PRO" panose="020F0600000000000000" pitchFamily="50" charset="-128"/>
+              <a:ea typeface="HG丸ｺﾞｼｯｸM-PRO" panose="020F0600000000000000" pitchFamily="50" charset="-128"/>
+            </a:endParaRPr>
+          </a:p>
+          <a:p>
+            <a:pPr>
+              <a:lnSpc>
+                <a:spcPct val="150000"/>
+              </a:lnSpc>
+            </a:pPr>
+            <a:r>
+              <a:rPr lang="en-US" altLang="ja-JP" sz="2000" dirty="0">
+                <a:latin typeface="HG丸ｺﾞｼｯｸM-PRO" panose="020F0600000000000000" pitchFamily="50" charset="-128"/>
+                <a:ea typeface="HG丸ｺﾞｼｯｸM-PRO" panose="020F0600000000000000" pitchFamily="50" charset="-128"/>
+              </a:rPr>
+              <a:t>Buildings</a:t>
+            </a:r>
+            <a:r>
+              <a:rPr lang="ja-JP" altLang="en-US" sz="2000" dirty="0">
+                <a:latin typeface="HG丸ｺﾞｼｯｸM-PRO" panose="020F0600000000000000" pitchFamily="50" charset="-128"/>
+                <a:ea typeface="HG丸ｺﾞｼｯｸM-PRO" panose="020F0600000000000000" pitchFamily="50" charset="-128"/>
+              </a:rPr>
+              <a:t>を選択</a:t>
+            </a:r>
+            <a:endParaRPr lang="en-US" altLang="ja-JP" sz="2000" dirty="0">
+              <a:latin typeface="HG丸ｺﾞｼｯｸM-PRO" panose="020F0600000000000000" pitchFamily="50" charset="-128"/>
+              <a:ea typeface="HG丸ｺﾞｼｯｸM-PRO" panose="020F0600000000000000" pitchFamily="50" charset="-128"/>
+            </a:endParaRPr>
+          </a:p>
+        </p:txBody>
+      </p:sp>
+    </p:spTree>
+    <p:extLst>
+      <p:ext uri="{BB962C8B-B14F-4D97-AF65-F5344CB8AC3E}">
+        <p14:creationId xmlns:p14="http://schemas.microsoft.com/office/powerpoint/2010/main" val="2491804360"/>
+      </p:ext>
+    </p:extLst>
+  </p:cSld>
+  <p:clrMapOvr>
+    <a:masterClrMapping/>
+  </p:clrMapOvr>
+</p:sld>
+</file>
+
 <file path=ppt/slides/slide2.xml><?xml version="1.0" encoding="utf-8"?>
 <p:sld xmlns:a="http://schemas.openxmlformats.org/drawingml/2006/main" xmlns:r="http://schemas.openxmlformats.org/officeDocument/2006/relationships" xmlns:p="http://schemas.openxmlformats.org/presentationml/2006/main">
   <p:cSld>
@@ -12299,7 +13031,7 @@
         <p:spPr>
           <a:xfrm>
             <a:off x="270452" y="1078936"/>
-            <a:ext cx="4372581" cy="3477875"/>
+            <a:ext cx="4372581" cy="2554545"/>
           </a:xfrm>
           <a:prstGeom prst="rect">
             <a:avLst/>
@@ -12377,7 +13109,7 @@
                 <a:latin typeface="HG丸ｺﾞｼｯｸM-PRO" panose="020F0600000000000000" pitchFamily="50" charset="-128"/>
                 <a:ea typeface="HG丸ｺﾞｼｯｸM-PRO" panose="020F0600000000000000" pitchFamily="50" charset="-128"/>
               </a:rPr>
-              <a:t>だとドキュメント</a:t>
+              <a:t>で出来るのだろうか</a:t>
             </a:r>
             <a:endParaRPr lang="en-US" altLang="ja-JP" sz="2000" dirty="0">
               <a:latin typeface="HG丸ｺﾞｼｯｸM-PRO" panose="020F0600000000000000" pitchFamily="50" charset="-128"/>
@@ -12390,47 +13122,7 @@
                 <a:latin typeface="HG丸ｺﾞｼｯｸM-PRO" panose="020F0600000000000000" pitchFamily="50" charset="-128"/>
                 <a:ea typeface="HG丸ｺﾞｼｯｸM-PRO" panose="020F0600000000000000" pitchFamily="50" charset="-128"/>
               </a:rPr>
-              <a:t>出力の機能があるのだろうか？</a:t>
-            </a:r>
-            <a:endParaRPr lang="en-US" altLang="ja-JP" sz="2000" dirty="0">
-              <a:latin typeface="HG丸ｺﾞｼｯｸM-PRO" panose="020F0600000000000000" pitchFamily="50" charset="-128"/>
-              <a:ea typeface="HG丸ｺﾞｼｯｸM-PRO" panose="020F0600000000000000" pitchFamily="50" charset="-128"/>
-            </a:endParaRPr>
-          </a:p>
-          <a:p>
-            <a:r>
-              <a:rPr lang="ja-JP" altLang="en-US" sz="2000" dirty="0">
-                <a:latin typeface="HG丸ｺﾞｼｯｸM-PRO" panose="020F0600000000000000" pitchFamily="50" charset="-128"/>
-                <a:ea typeface="HG丸ｺﾞｼｯｸM-PRO" panose="020F0600000000000000" pitchFamily="50" charset="-128"/>
-              </a:rPr>
-              <a:t>本当は継承元の変数等も含めて</a:t>
-            </a:r>
-            <a:endParaRPr lang="en-US" altLang="ja-JP" sz="2000" dirty="0">
-              <a:latin typeface="HG丸ｺﾞｼｯｸM-PRO" panose="020F0600000000000000" pitchFamily="50" charset="-128"/>
-              <a:ea typeface="HG丸ｺﾞｼｯｸM-PRO" panose="020F0600000000000000" pitchFamily="50" charset="-128"/>
-            </a:endParaRPr>
-          </a:p>
-          <a:p>
-            <a:r>
-              <a:rPr lang="ja-JP" altLang="en-US" sz="2000" dirty="0">
-                <a:latin typeface="HG丸ｺﾞｼｯｸM-PRO" panose="020F0600000000000000" pitchFamily="50" charset="-128"/>
-                <a:ea typeface="HG丸ｺﾞｼｯｸM-PRO" panose="020F0600000000000000" pitchFamily="50" charset="-128"/>
-              </a:rPr>
-              <a:t>その</a:t>
-            </a:r>
-            <a:r>
-              <a:rPr lang="en-US" altLang="ja-JP" sz="2000" dirty="0">
-                <a:latin typeface="HG丸ｺﾞｼｯｸM-PRO" panose="020F0600000000000000" pitchFamily="50" charset="-128"/>
-                <a:ea typeface="HG丸ｺﾞｼｯｸM-PRO" panose="020F0600000000000000" pitchFamily="50" charset="-128"/>
-              </a:rPr>
-              <a:t>Model</a:t>
-            </a:r>
-            <a:r>
-              <a:rPr lang="ja-JP" altLang="en-US" sz="2000" dirty="0">
-                <a:latin typeface="HG丸ｺﾞｼｯｸM-PRO" panose="020F0600000000000000" pitchFamily="50" charset="-128"/>
-                <a:ea typeface="HG丸ｺﾞｼｯｸM-PRO" panose="020F0600000000000000" pitchFamily="50" charset="-128"/>
-              </a:rPr>
-              <a:t>がもつ変数等を記載してほしい。</a:t>
+              <a:t>個人で買うにはお高いが・・・</a:t>
             </a:r>
             <a:endParaRPr lang="en-US" altLang="ja-JP" sz="2000" dirty="0">
               <a:latin typeface="HG丸ｺﾞｼｯｸM-PRO" panose="020F0600000000000000" pitchFamily="50" charset="-128"/>

--- a/document/20190525_GenerateDoc.pptx
+++ b/document/20190525_GenerateDoc.pptx
@@ -222,7 +222,7 @@
           <a:p>
             <a:fld id="{B81D1017-6124-4770-ACEE-331FA7AE5C82}" type="datetimeFigureOut">
               <a:rPr kumimoji="1" lang="ja-JP" altLang="en-US" smtClean="0"/>
-              <a:t>2019/5/25</a:t>
+              <a:t>2019/5/26</a:t>
             </a:fld>
             <a:endParaRPr kumimoji="1" lang="ja-JP" altLang="en-US"/>
           </a:p>
@@ -752,7 +752,7 @@
           <a:p>
             <a:fld id="{691CF401-7451-449F-9045-314FEC1EA452}" type="datetime1">
               <a:rPr kumimoji="1" lang="ja-JP" altLang="en-US" smtClean="0"/>
-              <a:t>2019/5/25</a:t>
+              <a:t>2019/5/26</a:t>
             </a:fld>
             <a:endParaRPr kumimoji="1" lang="ja-JP" altLang="en-US"/>
           </a:p>
@@ -982,7 +982,7 @@
           <a:p>
             <a:fld id="{7CC500AA-6A8E-4465-9E07-39680BCA8FDD}" type="datetime1">
               <a:rPr kumimoji="1" lang="ja-JP" altLang="en-US" smtClean="0"/>
-              <a:t>2019/5/25</a:t>
+              <a:t>2019/5/26</a:t>
             </a:fld>
             <a:endParaRPr kumimoji="1" lang="ja-JP" altLang="en-US"/>
           </a:p>
@@ -1222,7 +1222,7 @@
           <a:p>
             <a:fld id="{F3AC53D5-22AE-4BC1-B189-16F6346F6CF6}" type="datetime1">
               <a:rPr kumimoji="1" lang="ja-JP" altLang="en-US" smtClean="0"/>
-              <a:t>2019/5/25</a:t>
+              <a:t>2019/5/26</a:t>
             </a:fld>
             <a:endParaRPr kumimoji="1" lang="ja-JP" altLang="en-US"/>
           </a:p>
@@ -1452,7 +1452,7 @@
           <a:p>
             <a:fld id="{566AA3C8-7908-4954-AB09-67AE482239E9}" type="datetime1">
               <a:rPr kumimoji="1" lang="ja-JP" altLang="en-US" smtClean="0"/>
-              <a:t>2019/5/25</a:t>
+              <a:t>2019/5/26</a:t>
             </a:fld>
             <a:endParaRPr kumimoji="1" lang="ja-JP" altLang="en-US"/>
           </a:p>
@@ -1727,7 +1727,7 @@
           <a:p>
             <a:fld id="{28E4A75B-F6D7-47BB-BD79-521FE60AAD39}" type="datetime1">
               <a:rPr kumimoji="1" lang="ja-JP" altLang="en-US" smtClean="0"/>
-              <a:t>2019/5/25</a:t>
+              <a:t>2019/5/26</a:t>
             </a:fld>
             <a:endParaRPr kumimoji="1" lang="ja-JP" altLang="en-US"/>
           </a:p>
@@ -2056,7 +2056,7 @@
           <a:p>
             <a:fld id="{C670DEE2-20EC-4017-990B-B79A139EA16E}" type="datetime1">
               <a:rPr kumimoji="1" lang="ja-JP" altLang="en-US" smtClean="0"/>
-              <a:t>2019/5/25</a:t>
+              <a:t>2019/5/26</a:t>
             </a:fld>
             <a:endParaRPr kumimoji="1" lang="ja-JP" altLang="en-US"/>
           </a:p>
@@ -2532,7 +2532,7 @@
           <a:p>
             <a:fld id="{6EF4B15F-6752-4A22-A595-A28AF9B91A06}" type="datetime1">
               <a:rPr kumimoji="1" lang="ja-JP" altLang="en-US" smtClean="0"/>
-              <a:t>2019/5/25</a:t>
+              <a:t>2019/5/26</a:t>
             </a:fld>
             <a:endParaRPr kumimoji="1" lang="ja-JP" altLang="en-US"/>
           </a:p>
@@ -2673,7 +2673,7 @@
           <a:p>
             <a:fld id="{582CADB4-682C-4250-B8EA-15D7B8EF9865}" type="datetime1">
               <a:rPr kumimoji="1" lang="ja-JP" altLang="en-US" smtClean="0"/>
-              <a:t>2019/5/25</a:t>
+              <a:t>2019/5/26</a:t>
             </a:fld>
             <a:endParaRPr kumimoji="1" lang="ja-JP" altLang="en-US"/>
           </a:p>
@@ -2791,7 +2791,7 @@
           <a:p>
             <a:fld id="{AE871478-89DB-4992-89A8-FE747CDD676A}" type="datetime1">
               <a:rPr kumimoji="1" lang="ja-JP" altLang="en-US" smtClean="0"/>
-              <a:t>2019/5/25</a:t>
+              <a:t>2019/5/26</a:t>
             </a:fld>
             <a:endParaRPr kumimoji="1" lang="ja-JP" altLang="en-US"/>
           </a:p>
@@ -3139,7 +3139,7 @@
           <a:p>
             <a:fld id="{44699BCE-35B7-4C48-B8B0-92BD042B9C8C}" type="datetime1">
               <a:rPr kumimoji="1" lang="ja-JP" altLang="en-US" smtClean="0"/>
-              <a:t>2019/5/25</a:t>
+              <a:t>2019/5/26</a:t>
             </a:fld>
             <a:endParaRPr kumimoji="1" lang="ja-JP" altLang="en-US"/>
           </a:p>
@@ -3427,7 +3427,7 @@
           <a:p>
             <a:fld id="{A7CBEA4C-02C9-4D6C-AEBE-222617CFDBD9}" type="datetime1">
               <a:rPr kumimoji="1" lang="ja-JP" altLang="en-US" smtClean="0"/>
-              <a:t>2019/5/25</a:t>
+              <a:t>2019/5/26</a:t>
             </a:fld>
             <a:endParaRPr kumimoji="1" lang="ja-JP" altLang="en-US"/>
           </a:p>
@@ -3700,7 +3700,7 @@
           <a:p>
             <a:fld id="{39F1A46E-D991-4089-B3FC-E2A360C8488A}" type="datetime1">
               <a:rPr kumimoji="1" lang="ja-JP" altLang="en-US" smtClean="0"/>
-              <a:t>2019/5/25</a:t>
+              <a:t>2019/5/26</a:t>
             </a:fld>
             <a:endParaRPr kumimoji="1" lang="ja-JP" altLang="en-US"/>
           </a:p>
@@ -13031,7 +13031,7 @@
         <p:spPr>
           <a:xfrm>
             <a:off x="270452" y="1078936"/>
-            <a:ext cx="4372581" cy="2554545"/>
+            <a:ext cx="4372581" cy="3477875"/>
           </a:xfrm>
           <a:prstGeom prst="rect">
             <a:avLst/>
@@ -13125,6 +13125,61 @@
               <a:t>個人で買うにはお高いが・・・</a:t>
             </a:r>
             <a:endParaRPr lang="en-US" altLang="ja-JP" sz="2000" dirty="0">
+              <a:latin typeface="HG丸ｺﾞｼｯｸM-PRO" panose="020F0600000000000000" pitchFamily="50" charset="-128"/>
+              <a:ea typeface="HG丸ｺﾞｼｯｸM-PRO" panose="020F0600000000000000" pitchFamily="50" charset="-128"/>
+            </a:endParaRPr>
+          </a:p>
+          <a:p>
+            <a:endParaRPr lang="en-US" altLang="ja-JP" sz="2000" dirty="0">
+              <a:latin typeface="HG丸ｺﾞｼｯｸM-PRO" panose="020F0600000000000000" pitchFamily="50" charset="-128"/>
+              <a:ea typeface="HG丸ｺﾞｼｯｸM-PRO" panose="020F0600000000000000" pitchFamily="50" charset="-128"/>
+            </a:endParaRPr>
+          </a:p>
+          <a:p>
+            <a:r>
+              <a:rPr lang="en-US" altLang="ja-JP" sz="2000" dirty="0">
+                <a:solidFill>
+                  <a:srgbClr val="FF0000"/>
+                </a:solidFill>
+                <a:latin typeface="HG丸ｺﾞｼｯｸM-PRO" panose="020F0600000000000000" pitchFamily="50" charset="-128"/>
+                <a:ea typeface="HG丸ｺﾞｼｯｸM-PRO" panose="020F0600000000000000" pitchFamily="50" charset="-128"/>
+              </a:rPr>
+              <a:t>【</a:t>
+            </a:r>
+            <a:r>
+              <a:rPr lang="ja-JP" altLang="en-US" sz="2000" dirty="0">
+                <a:solidFill>
+                  <a:srgbClr val="FF0000"/>
+                </a:solidFill>
+                <a:latin typeface="HG丸ｺﾞｼｯｸM-PRO" panose="020F0600000000000000" pitchFamily="50" charset="-128"/>
+                <a:ea typeface="HG丸ｺﾞｼｯｸM-PRO" panose="020F0600000000000000" pitchFamily="50" charset="-128"/>
+              </a:rPr>
+              <a:t>追記</a:t>
+            </a:r>
+            <a:r>
+              <a:rPr lang="en-US" altLang="ja-JP" sz="2000" dirty="0">
+                <a:solidFill>
+                  <a:srgbClr val="FF0000"/>
+                </a:solidFill>
+                <a:latin typeface="HG丸ｺﾞｼｯｸM-PRO" panose="020F0600000000000000" pitchFamily="50" charset="-128"/>
+                <a:ea typeface="HG丸ｺﾞｼｯｸM-PRO" panose="020F0600000000000000" pitchFamily="50" charset="-128"/>
+              </a:rPr>
+              <a:t>】</a:t>
+            </a:r>
+            <a:r>
+              <a:rPr lang="ja-JP" altLang="en-US" sz="2000" dirty="0">
+                <a:solidFill>
+                  <a:srgbClr val="FF0000"/>
+                </a:solidFill>
+                <a:latin typeface="HG丸ｺﾞｼｯｸM-PRO" panose="020F0600000000000000" pitchFamily="50" charset="-128"/>
+                <a:ea typeface="HG丸ｺﾞｼｯｸM-PRO" panose="020F0600000000000000" pitchFamily="50" charset="-128"/>
+              </a:rPr>
+              <a:t>体験版でもドキュメントの出力は問題なくできるようです！</a:t>
+            </a:r>
+            <a:endParaRPr lang="en-US" altLang="ja-JP" sz="2000" dirty="0">
+              <a:solidFill>
+                <a:srgbClr val="FF0000"/>
+              </a:solidFill>
               <a:latin typeface="HG丸ｺﾞｼｯｸM-PRO" panose="020F0600000000000000" pitchFamily="50" charset="-128"/>
               <a:ea typeface="HG丸ｺﾞｼｯｸM-PRO" panose="020F0600000000000000" pitchFamily="50" charset="-128"/>
             </a:endParaRPr>
@@ -14164,8 +14219,8 @@
         </p:nvSpPr>
         <p:spPr>
           <a:xfrm>
-            <a:off x="347728" y="3798965"/>
-            <a:ext cx="10097038" cy="707886"/>
+            <a:off x="347727" y="3798965"/>
+            <a:ext cx="11140227" cy="707886"/>
           </a:xfrm>
           <a:prstGeom prst="rect">
             <a:avLst/>
@@ -14197,7 +14252,23 @@
                 <a:latin typeface="HG丸ｺﾞｼｯｸM-PRO" panose="020F0600000000000000" pitchFamily="50" charset="-128"/>
                 <a:ea typeface="HG丸ｺﾞｼｯｸM-PRO" panose="020F0600000000000000" pitchFamily="50" charset="-128"/>
               </a:rPr>
-              <a:t>の作業ディレクトリの場所の設定方法がよくわからない。</a:t>
+              <a:t>の作業ディレクトリの場所の設定方法がよくわからない。毎度</a:t>
+            </a:r>
+            <a:r>
+              <a:rPr lang="en-US" altLang="ja-JP" dirty="0"/>
+              <a:t>cd(“[</a:t>
+            </a:r>
+            <a:r>
+              <a:rPr lang="ja-JP" altLang="en-US" dirty="0"/>
+              <a:t>作業ディテクトリ</a:t>
+            </a:r>
+            <a:r>
+              <a:rPr lang="en-US" altLang="ja-JP" dirty="0"/>
+              <a:t>]”)</a:t>
+            </a:r>
+            <a:r>
+              <a:rPr lang="ja-JP" altLang="en-US" dirty="0"/>
+              <a:t>を入力したほうがよさおす。</a:t>
             </a:r>
             <a:endParaRPr lang="en-US" altLang="ja-JP" sz="2000" dirty="0">
               <a:latin typeface="HG丸ｺﾞｼｯｸM-PRO" panose="020F0600000000000000" pitchFamily="50" charset="-128"/>
@@ -14587,7 +14658,7 @@
                 <a:latin typeface="HG丸ｺﾞｼｯｸM-PRO" panose="020F0600000000000000" pitchFamily="50" charset="-128"/>
                 <a:ea typeface="HG丸ｺﾞｼｯｸM-PRO" panose="020F0600000000000000" pitchFamily="50" charset="-128"/>
               </a:rPr>
-              <a:t>についてきているやつである。今回はこいつに</a:t>
+              <a:t>に付属のものである。今回はこれに</a:t>
             </a:r>
             <a:r>
               <a:rPr lang="en-US" altLang="ja-JP" sz="2000" dirty="0">
@@ -14838,18 +14909,11 @@
           </a:p>
           <a:p>
             <a:r>
-              <a:rPr lang="ja-JP" altLang="en-US" sz="2000" dirty="0" err="1">
-                <a:latin typeface="HG丸ｺﾞｼｯｸM-PRO" panose="020F0600000000000000" pitchFamily="50" charset="-128"/>
-                <a:ea typeface="HG丸ｺﾞｼｯｸM-PRO" panose="020F0600000000000000" pitchFamily="50" charset="-128"/>
-              </a:rPr>
-              <a:t>などととやって</a:t>
-            </a:r>
-            <a:r>
               <a:rPr lang="ja-JP" altLang="en-US" sz="2000" dirty="0">
                 <a:latin typeface="HG丸ｺﾞｼｯｸM-PRO" panose="020F0600000000000000" pitchFamily="50" charset="-128"/>
                 <a:ea typeface="HG丸ｺﾞｼｯｸM-PRO" panose="020F0600000000000000" pitchFamily="50" charset="-128"/>
               </a:rPr>
-              <a:t>みたがファイルの出力される場所は結局直らなかった。</a:t>
+              <a:t>以上、いろいろやってみたがファイルの出力される場所は結局直らなかった。</a:t>
             </a:r>
             <a:endParaRPr lang="en-US" altLang="ja-JP" sz="2000" dirty="0">
               <a:latin typeface="HG丸ｺﾞｼｯｸM-PRO" panose="020F0600000000000000" pitchFamily="50" charset="-128"/>
@@ -14916,7 +14980,21 @@
                 <a:latin typeface="HGSｺﾞｼｯｸM" panose="020B0600000000000000" pitchFamily="50" charset="-128"/>
                 <a:ea typeface="HGSｺﾞｼｯｸM" panose="020B0600000000000000" pitchFamily="50" charset="-128"/>
               </a:rPr>
-              <a:t>system("C:/Users/fukumoto/AppData/Local/Programs/Python/Python37/python.exe Tidy.py 2&gt; </a:t>
+              <a:t>system([</a:t>
+            </a:r>
+            <a:r>
+              <a:rPr lang="ja-JP" altLang="en-US" dirty="0">
+                <a:latin typeface="HGSｺﾞｼｯｸM" panose="020B0600000000000000" pitchFamily="50" charset="-128"/>
+                <a:ea typeface="HGSｺﾞｼｯｸM" panose="020B0600000000000000" pitchFamily="50" charset="-128"/>
+              </a:rPr>
+              <a:t>ユーザーディレクトリ</a:t>
+            </a:r>
+            <a:r>
+              <a:rPr lang="en-US" altLang="ja-JP" dirty="0">
+                <a:latin typeface="HGSｺﾞｼｯｸM" panose="020B0600000000000000" pitchFamily="50" charset="-128"/>
+                <a:ea typeface="HGSｺﾞｼｯｸM" panose="020B0600000000000000" pitchFamily="50" charset="-128"/>
+              </a:rPr>
+              <a:t>]/AppData/Local/Programs/Python/Python37/python.exe Tidy.py 2&gt; </a:t>
             </a:r>
             <a:r>
               <a:rPr lang="en-US" altLang="ja-JP" dirty="0" err="1">
